--- a/chAIn-reaction.pptx
+++ b/chAIn-reaction.pptx
@@ -4,22 +4,26 @@
   <p:sldMasterIdLst>
     <p:sldMasterId id="2147483648" r:id="rId1"/>
   </p:sldMasterIdLst>
+  <p:notesMasterIdLst>
+    <p:notesMasterId r:id="rId7"/>
+  </p:notesMasterIdLst>
   <p:sldIdLst>
     <p:sldId id="259" r:id="rId2"/>
     <p:sldId id="256" r:id="rId3"/>
     <p:sldId id="257" r:id="rId4"/>
     <p:sldId id="258" r:id="rId5"/>
+    <p:sldId id="261" r:id="rId6"/>
   </p:sldIdLst>
   <p:sldSz cx="18288000" cy="10287000"/>
   <p:notesSz cx="6858000" cy="9144000"/>
   <p:embeddedFontLst>
     <p:embeddedFont>
       <p:font typeface="Telegraf" panose="020B0604020202020204" charset="0"/>
-      <p:regular r:id="rId6"/>
+      <p:regular r:id="rId8"/>
     </p:embeddedFont>
     <p:embeddedFont>
       <p:font typeface="Telegraf Bold" panose="020B0604020202020204" charset="0"/>
-      <p:regular r:id="rId7"/>
+      <p:regular r:id="rId9"/>
     </p:embeddedFont>
   </p:embeddedFontLst>
   <p:defaultTextStyle>
@@ -134,6 +138,356 @@
     </p:ext>
   </p:extLst>
 </p:presentation>
+</file>
+
+<file path=ppt/notesMasters/notesMaster1.xml><?xml version="1.0" encoding="utf-8"?>
+<p:notesMaster xmlns:a="http://schemas.openxmlformats.org/drawingml/2006/main" xmlns:r="http://schemas.openxmlformats.org/officeDocument/2006/relationships" xmlns:p="http://schemas.openxmlformats.org/presentationml/2006/main">
+  <p:cSld>
+    <p:bg>
+      <p:bgRef idx="1001">
+        <a:schemeClr val="bg1"/>
+      </p:bgRef>
+    </p:bg>
+    <p:spTree>
+      <p:nvGrpSpPr>
+        <p:cNvPr id="1" name=""/>
+        <p:cNvGrpSpPr/>
+        <p:nvPr/>
+      </p:nvGrpSpPr>
+      <p:grpSpPr>
+        <a:xfrm>
+          <a:off x="0" y="0"/>
+          <a:ext cx="0" cy="0"/>
+          <a:chOff x="0" y="0"/>
+          <a:chExt cx="0" cy="0"/>
+        </a:xfrm>
+      </p:grpSpPr>
+      <p:sp>
+        <p:nvSpPr>
+          <p:cNvPr id="2" name="Header Placeholder 1"/>
+          <p:cNvSpPr>
+            <a:spLocks noGrp="1"/>
+          </p:cNvSpPr>
+          <p:nvPr>
+            <p:ph type="hdr" sz="quarter"/>
+          </p:nvPr>
+        </p:nvSpPr>
+        <p:spPr>
+          <a:xfrm>
+            <a:off x="0" y="0"/>
+            <a:ext cx="2971800" cy="458788"/>
+          </a:xfrm>
+          <a:prstGeom prst="rect">
+            <a:avLst/>
+          </a:prstGeom>
+        </p:spPr>
+        <p:txBody>
+          <a:bodyPr vert="horz" lIns="91440" tIns="45720" rIns="91440" bIns="45720" rtlCol="0"/>
+          <a:lstStyle>
+            <a:lvl1pPr algn="l">
+              <a:defRPr sz="1200"/>
+            </a:lvl1pPr>
+          </a:lstStyle>
+          <a:p>
+            <a:endParaRPr lang="en-IN"/>
+          </a:p>
+        </p:txBody>
+      </p:sp>
+      <p:sp>
+        <p:nvSpPr>
+          <p:cNvPr id="3" name="Date Placeholder 2"/>
+          <p:cNvSpPr>
+            <a:spLocks noGrp="1"/>
+          </p:cNvSpPr>
+          <p:nvPr>
+            <p:ph type="dt" idx="1"/>
+          </p:nvPr>
+        </p:nvSpPr>
+        <p:spPr>
+          <a:xfrm>
+            <a:off x="3884613" y="0"/>
+            <a:ext cx="2971800" cy="458788"/>
+          </a:xfrm>
+          <a:prstGeom prst="rect">
+            <a:avLst/>
+          </a:prstGeom>
+        </p:spPr>
+        <p:txBody>
+          <a:bodyPr vert="horz" lIns="91440" tIns="45720" rIns="91440" bIns="45720" rtlCol="0"/>
+          <a:lstStyle>
+            <a:lvl1pPr algn="r">
+              <a:defRPr sz="1200"/>
+            </a:lvl1pPr>
+          </a:lstStyle>
+          <a:p>
+            <a:fld id="{9861275F-98CF-4703-84ED-091DB6129954}" type="datetimeFigureOut">
+              <a:rPr lang="en-IN" smtClean="0"/>
+              <a:t>21-11-2025</a:t>
+            </a:fld>
+            <a:endParaRPr lang="en-IN"/>
+          </a:p>
+        </p:txBody>
+      </p:sp>
+      <p:sp>
+        <p:nvSpPr>
+          <p:cNvPr id="4" name="Slide Image Placeholder 3"/>
+          <p:cNvSpPr>
+            <a:spLocks noGrp="1" noRot="1" noChangeAspect="1"/>
+          </p:cNvSpPr>
+          <p:nvPr>
+            <p:ph type="sldImg" idx="2"/>
+          </p:nvPr>
+        </p:nvSpPr>
+        <p:spPr>
+          <a:xfrm>
+            <a:off x="685800" y="1143000"/>
+            <a:ext cx="5486400" cy="3086100"/>
+          </a:xfrm>
+          <a:prstGeom prst="rect">
+            <a:avLst/>
+          </a:prstGeom>
+          <a:noFill/>
+          <a:ln w="12700">
+            <a:solidFill>
+              <a:prstClr val="black"/>
+            </a:solidFill>
+          </a:ln>
+        </p:spPr>
+        <p:txBody>
+          <a:bodyPr vert="horz" lIns="91440" tIns="45720" rIns="91440" bIns="45720" rtlCol="0" anchor="ctr"/>
+          <a:lstStyle/>
+          <a:p>
+            <a:endParaRPr lang="en-IN"/>
+          </a:p>
+        </p:txBody>
+      </p:sp>
+      <p:sp>
+        <p:nvSpPr>
+          <p:cNvPr id="5" name="Notes Placeholder 4"/>
+          <p:cNvSpPr>
+            <a:spLocks noGrp="1"/>
+          </p:cNvSpPr>
+          <p:nvPr>
+            <p:ph type="body" sz="quarter" idx="3"/>
+          </p:nvPr>
+        </p:nvSpPr>
+        <p:spPr>
+          <a:xfrm>
+            <a:off x="685800" y="4400550"/>
+            <a:ext cx="5486400" cy="3600450"/>
+          </a:xfrm>
+          <a:prstGeom prst="rect">
+            <a:avLst/>
+          </a:prstGeom>
+        </p:spPr>
+        <p:txBody>
+          <a:bodyPr vert="horz" lIns="91440" tIns="45720" rIns="91440" bIns="45720" rtlCol="0"/>
+          <a:lstStyle/>
+          <a:p>
+            <a:pPr lvl="0"/>
+            <a:r>
+              <a:rPr lang="en-US"/>
+              <a:t>Click to edit Master text styles</a:t>
+            </a:r>
+          </a:p>
+          <a:p>
+            <a:pPr lvl="1"/>
+            <a:r>
+              <a:rPr lang="en-US"/>
+              <a:t>Second level</a:t>
+            </a:r>
+          </a:p>
+          <a:p>
+            <a:pPr lvl="2"/>
+            <a:r>
+              <a:rPr lang="en-US"/>
+              <a:t>Third level</a:t>
+            </a:r>
+          </a:p>
+          <a:p>
+            <a:pPr lvl="3"/>
+            <a:r>
+              <a:rPr lang="en-US"/>
+              <a:t>Fourth level</a:t>
+            </a:r>
+          </a:p>
+          <a:p>
+            <a:pPr lvl="4"/>
+            <a:r>
+              <a:rPr lang="en-US"/>
+              <a:t>Fifth level</a:t>
+            </a:r>
+            <a:endParaRPr lang="en-IN"/>
+          </a:p>
+        </p:txBody>
+      </p:sp>
+      <p:sp>
+        <p:nvSpPr>
+          <p:cNvPr id="6" name="Footer Placeholder 5"/>
+          <p:cNvSpPr>
+            <a:spLocks noGrp="1"/>
+          </p:cNvSpPr>
+          <p:nvPr>
+            <p:ph type="ftr" sz="quarter" idx="4"/>
+          </p:nvPr>
+        </p:nvSpPr>
+        <p:spPr>
+          <a:xfrm>
+            <a:off x="0" y="8685213"/>
+            <a:ext cx="2971800" cy="458787"/>
+          </a:xfrm>
+          <a:prstGeom prst="rect">
+            <a:avLst/>
+          </a:prstGeom>
+        </p:spPr>
+        <p:txBody>
+          <a:bodyPr vert="horz" lIns="91440" tIns="45720" rIns="91440" bIns="45720" rtlCol="0" anchor="b"/>
+          <a:lstStyle>
+            <a:lvl1pPr algn="l">
+              <a:defRPr sz="1200"/>
+            </a:lvl1pPr>
+          </a:lstStyle>
+          <a:p>
+            <a:endParaRPr lang="en-IN"/>
+          </a:p>
+        </p:txBody>
+      </p:sp>
+      <p:sp>
+        <p:nvSpPr>
+          <p:cNvPr id="7" name="Slide Number Placeholder 6"/>
+          <p:cNvSpPr>
+            <a:spLocks noGrp="1"/>
+          </p:cNvSpPr>
+          <p:nvPr>
+            <p:ph type="sldNum" sz="quarter" idx="5"/>
+          </p:nvPr>
+        </p:nvSpPr>
+        <p:spPr>
+          <a:xfrm>
+            <a:off x="3884613" y="8685213"/>
+            <a:ext cx="2971800" cy="458787"/>
+          </a:xfrm>
+          <a:prstGeom prst="rect">
+            <a:avLst/>
+          </a:prstGeom>
+        </p:spPr>
+        <p:txBody>
+          <a:bodyPr vert="horz" lIns="91440" tIns="45720" rIns="91440" bIns="45720" rtlCol="0" anchor="b"/>
+          <a:lstStyle>
+            <a:lvl1pPr algn="r">
+              <a:defRPr sz="1200"/>
+            </a:lvl1pPr>
+          </a:lstStyle>
+          <a:p>
+            <a:fld id="{65DEC59F-8A65-4D0C-BF9E-CF8A688CB1E2}" type="slidenum">
+              <a:rPr lang="en-IN" smtClean="0"/>
+              <a:t>‹#›</a:t>
+            </a:fld>
+            <a:endParaRPr lang="en-IN"/>
+          </a:p>
+        </p:txBody>
+      </p:sp>
+    </p:spTree>
+    <p:extLst>
+      <p:ext uri="{BB962C8B-B14F-4D97-AF65-F5344CB8AC3E}">
+        <p14:creationId xmlns:p14="http://schemas.microsoft.com/office/powerpoint/2010/main" val="3499844826"/>
+      </p:ext>
+    </p:extLst>
+  </p:cSld>
+  <p:clrMap bg1="lt1" tx1="dk1" bg2="lt2" tx2="dk2" accent1="accent1" accent2="accent2" accent3="accent3" accent4="accent4" accent5="accent5" accent6="accent6" hlink="hlink" folHlink="folHlink"/>
+  <p:notesStyle>
+    <a:lvl1pPr marL="0" algn="l" defTabSz="914400" rtl="0" eaLnBrk="1" latinLnBrk="0" hangingPunct="1">
+      <a:defRPr sz="1200" kern="1200">
+        <a:solidFill>
+          <a:schemeClr val="tx1"/>
+        </a:solidFill>
+        <a:latin typeface="+mn-lt"/>
+        <a:ea typeface="+mn-ea"/>
+        <a:cs typeface="+mn-cs"/>
+      </a:defRPr>
+    </a:lvl1pPr>
+    <a:lvl2pPr marL="457200" algn="l" defTabSz="914400" rtl="0" eaLnBrk="1" latinLnBrk="0" hangingPunct="1">
+      <a:defRPr sz="1200" kern="1200">
+        <a:solidFill>
+          <a:schemeClr val="tx1"/>
+        </a:solidFill>
+        <a:latin typeface="+mn-lt"/>
+        <a:ea typeface="+mn-ea"/>
+        <a:cs typeface="+mn-cs"/>
+      </a:defRPr>
+    </a:lvl2pPr>
+    <a:lvl3pPr marL="914400" algn="l" defTabSz="914400" rtl="0" eaLnBrk="1" latinLnBrk="0" hangingPunct="1">
+      <a:defRPr sz="1200" kern="1200">
+        <a:solidFill>
+          <a:schemeClr val="tx1"/>
+        </a:solidFill>
+        <a:latin typeface="+mn-lt"/>
+        <a:ea typeface="+mn-ea"/>
+        <a:cs typeface="+mn-cs"/>
+      </a:defRPr>
+    </a:lvl3pPr>
+    <a:lvl4pPr marL="1371600" algn="l" defTabSz="914400" rtl="0" eaLnBrk="1" latinLnBrk="0" hangingPunct="1">
+      <a:defRPr sz="1200" kern="1200">
+        <a:solidFill>
+          <a:schemeClr val="tx1"/>
+        </a:solidFill>
+        <a:latin typeface="+mn-lt"/>
+        <a:ea typeface="+mn-ea"/>
+        <a:cs typeface="+mn-cs"/>
+      </a:defRPr>
+    </a:lvl4pPr>
+    <a:lvl5pPr marL="1828800" algn="l" defTabSz="914400" rtl="0" eaLnBrk="1" latinLnBrk="0" hangingPunct="1">
+      <a:defRPr sz="1200" kern="1200">
+        <a:solidFill>
+          <a:schemeClr val="tx1"/>
+        </a:solidFill>
+        <a:latin typeface="+mn-lt"/>
+        <a:ea typeface="+mn-ea"/>
+        <a:cs typeface="+mn-cs"/>
+      </a:defRPr>
+    </a:lvl5pPr>
+    <a:lvl6pPr marL="2286000" algn="l" defTabSz="914400" rtl="0" eaLnBrk="1" latinLnBrk="0" hangingPunct="1">
+      <a:defRPr sz="1200" kern="1200">
+        <a:solidFill>
+          <a:schemeClr val="tx1"/>
+        </a:solidFill>
+        <a:latin typeface="+mn-lt"/>
+        <a:ea typeface="+mn-ea"/>
+        <a:cs typeface="+mn-cs"/>
+      </a:defRPr>
+    </a:lvl6pPr>
+    <a:lvl7pPr marL="2743200" algn="l" defTabSz="914400" rtl="0" eaLnBrk="1" latinLnBrk="0" hangingPunct="1">
+      <a:defRPr sz="1200" kern="1200">
+        <a:solidFill>
+          <a:schemeClr val="tx1"/>
+        </a:solidFill>
+        <a:latin typeface="+mn-lt"/>
+        <a:ea typeface="+mn-ea"/>
+        <a:cs typeface="+mn-cs"/>
+      </a:defRPr>
+    </a:lvl7pPr>
+    <a:lvl8pPr marL="3200400" algn="l" defTabSz="914400" rtl="0" eaLnBrk="1" latinLnBrk="0" hangingPunct="1">
+      <a:defRPr sz="1200" kern="1200">
+        <a:solidFill>
+          <a:schemeClr val="tx1"/>
+        </a:solidFill>
+        <a:latin typeface="+mn-lt"/>
+        <a:ea typeface="+mn-ea"/>
+        <a:cs typeface="+mn-cs"/>
+      </a:defRPr>
+    </a:lvl8pPr>
+    <a:lvl9pPr marL="3657600" algn="l" defTabSz="914400" rtl="0" eaLnBrk="1" latinLnBrk="0" hangingPunct="1">
+      <a:defRPr sz="1200" kern="1200">
+        <a:solidFill>
+          <a:schemeClr val="tx1"/>
+        </a:solidFill>
+        <a:latin typeface="+mn-lt"/>
+        <a:ea typeface="+mn-ea"/>
+        <a:cs typeface="+mn-cs"/>
+      </a:defRPr>
+    </a:lvl9pPr>
+  </p:notesStyle>
+</p:notesMaster>
 </file>
 
 <file path=ppt/slideLayouts/slideLayout1.xml><?xml version="1.0" encoding="utf-8"?>
@@ -3067,6 +3421,268 @@
           <a:chExt cx="0" cy="0"/>
         </a:xfrm>
       </p:grpSpPr>
+      <p:pic>
+        <p:nvPicPr>
+          <p:cNvPr id="3" name="Picture 2" descr="A close-up of a network&#10;&#10;AI-generated content may be incorrect.">
+            <a:extLst>
+              <a:ext uri="{FF2B5EF4-FFF2-40B4-BE49-F238E27FC236}">
+                <a16:creationId xmlns:a16="http://schemas.microsoft.com/office/drawing/2014/main" id="{3F869D8C-FC66-DF04-0B3F-39A83A1C2B1D}"/>
+              </a:ext>
+            </a:extLst>
+          </p:cNvPr>
+          <p:cNvPicPr>
+            <a:picLocks noChangeAspect="1"/>
+          </p:cNvPicPr>
+          <p:nvPr/>
+        </p:nvPicPr>
+        <p:blipFill>
+          <a:blip r:embed="rId2">
+            <a:alphaModFix/>
+            <a:extLst>
+              <a:ext uri="{BEBA8EAE-BF5A-486C-A8C5-ECC9F3942E4B}">
+                <a14:imgProps xmlns:a14="http://schemas.microsoft.com/office/drawing/2010/main">
+                  <a14:imgLayer r:embed="rId3">
+                    <a14:imgEffect>
+                      <a14:artisticBlur radius="4"/>
+                    </a14:imgEffect>
+                  </a14:imgLayer>
+                </a14:imgProps>
+              </a:ext>
+              <a:ext uri="{28A0092B-C50C-407E-A947-70E740481C1C}">
+                <a14:useLocalDpi xmlns:a14="http://schemas.microsoft.com/office/drawing/2010/main" val="0"/>
+              </a:ext>
+            </a:extLst>
+          </a:blip>
+          <a:stretch>
+            <a:fillRect/>
+          </a:stretch>
+        </p:blipFill>
+        <p:spPr>
+          <a:xfrm>
+            <a:off x="-14288" y="0"/>
+            <a:ext cx="18302288" cy="10287000"/>
+          </a:xfrm>
+          <a:prstGeom prst="rect">
+            <a:avLst/>
+          </a:prstGeom>
+        </p:spPr>
+      </p:pic>
+      <p:pic>
+        <p:nvPicPr>
+          <p:cNvPr id="7" name="Picture 6" descr="A logo with blue and purple colors&#10;&#10;AI-generated content may be incorrect.">
+            <a:extLst>
+              <a:ext uri="{FF2B5EF4-FFF2-40B4-BE49-F238E27FC236}">
+                <a16:creationId xmlns:a16="http://schemas.microsoft.com/office/drawing/2014/main" id="{0B94E449-6550-46DA-8232-51F640AC5C2B}"/>
+              </a:ext>
+            </a:extLst>
+          </p:cNvPr>
+          <p:cNvPicPr>
+            <a:picLocks noChangeAspect="1"/>
+          </p:cNvPicPr>
+          <p:nvPr/>
+        </p:nvPicPr>
+        <p:blipFill>
+          <a:blip r:embed="rId4">
+            <a:extLst>
+              <a:ext uri="{28A0092B-C50C-407E-A947-70E740481C1C}">
+                <a14:useLocalDpi xmlns:a14="http://schemas.microsoft.com/office/drawing/2010/main" val="0"/>
+              </a:ext>
+            </a:extLst>
+          </a:blip>
+          <a:stretch>
+            <a:fillRect/>
+          </a:stretch>
+        </p:blipFill>
+        <p:spPr>
+          <a:xfrm>
+            <a:off x="838200" y="190500"/>
+            <a:ext cx="7391400" cy="5738851"/>
+          </a:xfrm>
+          <a:prstGeom prst="rect">
+            <a:avLst/>
+          </a:prstGeom>
+        </p:spPr>
+      </p:pic>
+      <p:sp>
+        <p:nvSpPr>
+          <p:cNvPr id="8" name="TextBox 7">
+            <a:extLst>
+              <a:ext uri="{FF2B5EF4-FFF2-40B4-BE49-F238E27FC236}">
+                <a16:creationId xmlns:a16="http://schemas.microsoft.com/office/drawing/2014/main" id="{145F0350-A5B9-6D34-F543-F8D0AADA2FD8}"/>
+              </a:ext>
+            </a:extLst>
+          </p:cNvPr>
+          <p:cNvSpPr txBox="1"/>
+          <p:nvPr/>
+        </p:nvSpPr>
+        <p:spPr>
+          <a:xfrm>
+            <a:off x="1485900" y="6483846"/>
+            <a:ext cx="6553200" cy="3231654"/>
+          </a:xfrm>
+          <a:prstGeom prst="rect">
+            <a:avLst/>
+          </a:prstGeom>
+          <a:noFill/>
+        </p:spPr>
+        <p:txBody>
+          <a:bodyPr wrap="square" rtlCol="0">
+            <a:spAutoFit/>
+          </a:bodyPr>
+          <a:lstStyle/>
+          <a:p>
+            <a:r>
+              <a:rPr lang="en-US" sz="3200" b="1" dirty="0">
+                <a:solidFill>
+                  <a:srgbClr val="B2CCEC"/>
+                </a:solidFill>
+              </a:rPr>
+              <a:t>Team Members</a:t>
+            </a:r>
+            <a:br>
+              <a:rPr lang="en-US" sz="3200" b="1" dirty="0">
+                <a:solidFill>
+                  <a:srgbClr val="B2CCEC"/>
+                </a:solidFill>
+              </a:rPr>
+            </a:br>
+            <a:r>
+              <a:rPr lang="en-US" sz="2800" i="1" dirty="0">
+                <a:solidFill>
+                  <a:srgbClr val="B2CCEC"/>
+                </a:solidFill>
+              </a:rPr>
+              <a:t>Prerna Narendra Kumar</a:t>
+            </a:r>
+          </a:p>
+          <a:p>
+            <a:r>
+              <a:rPr lang="en-US" sz="2800" i="1" dirty="0">
+                <a:solidFill>
+                  <a:srgbClr val="B2CCEC"/>
+                </a:solidFill>
+              </a:rPr>
+              <a:t>Nikita Pandey</a:t>
+            </a:r>
+          </a:p>
+          <a:p>
+            <a:r>
+              <a:rPr lang="en-US" sz="2800" i="1" dirty="0">
+                <a:solidFill>
+                  <a:srgbClr val="B2CCEC"/>
+                </a:solidFill>
+              </a:rPr>
+              <a:t>Sonali Singhal</a:t>
+            </a:r>
+          </a:p>
+          <a:p>
+            <a:r>
+              <a:rPr lang="en-US" sz="2800" i="1" dirty="0" err="1">
+                <a:solidFill>
+                  <a:srgbClr val="B2CCEC"/>
+                </a:solidFill>
+              </a:rPr>
+              <a:t>Vaidehee</a:t>
+            </a:r>
+            <a:r>
+              <a:rPr lang="en-US" sz="2800" i="1" dirty="0">
+                <a:solidFill>
+                  <a:srgbClr val="B2CCEC"/>
+                </a:solidFill>
+              </a:rPr>
+              <a:t> Salunkhe</a:t>
+            </a:r>
+          </a:p>
+          <a:p>
+            <a:r>
+              <a:rPr lang="en-US" sz="2800" i="1" dirty="0" err="1">
+                <a:solidFill>
+                  <a:srgbClr val="B2CCEC"/>
+                </a:solidFill>
+              </a:rPr>
+              <a:t>Rutuja</a:t>
+            </a:r>
+            <a:r>
+              <a:rPr lang="en-US" sz="2800" i="1" dirty="0">
+                <a:solidFill>
+                  <a:srgbClr val="B2CCEC"/>
+                </a:solidFill>
+              </a:rPr>
+              <a:t> </a:t>
+            </a:r>
+            <a:r>
+              <a:rPr lang="en-US" sz="2800" i="1" dirty="0" err="1">
+                <a:solidFill>
+                  <a:srgbClr val="B2CCEC"/>
+                </a:solidFill>
+              </a:rPr>
+              <a:t>Udhane</a:t>
+            </a:r>
+            <a:endParaRPr lang="en-US" sz="2800" i="1" dirty="0">
+              <a:solidFill>
+                <a:srgbClr val="B2CCEC"/>
+              </a:solidFill>
+            </a:endParaRPr>
+          </a:p>
+          <a:p>
+            <a:endParaRPr lang="en-IN" sz="3200" b="1" dirty="0">
+              <a:solidFill>
+                <a:srgbClr val="B2CCEC"/>
+              </a:solidFill>
+            </a:endParaRPr>
+          </a:p>
+        </p:txBody>
+      </p:sp>
+      <p:sp>
+        <p:nvSpPr>
+          <p:cNvPr id="9" name="TextBox 8">
+            <a:extLst>
+              <a:ext uri="{FF2B5EF4-FFF2-40B4-BE49-F238E27FC236}">
+                <a16:creationId xmlns:a16="http://schemas.microsoft.com/office/drawing/2014/main" id="{66EECAC3-9C89-0AE2-CE06-E63625CEC041}"/>
+              </a:ext>
+            </a:extLst>
+          </p:cNvPr>
+          <p:cNvSpPr txBox="1"/>
+          <p:nvPr/>
+        </p:nvSpPr>
+        <p:spPr>
+          <a:xfrm>
+            <a:off x="1371600" y="4620280"/>
+            <a:ext cx="8458200" cy="523220"/>
+          </a:xfrm>
+          <a:prstGeom prst="rect">
+            <a:avLst/>
+          </a:prstGeom>
+          <a:noFill/>
+        </p:spPr>
+        <p:txBody>
+          <a:bodyPr wrap="square" rtlCol="0">
+            <a:spAutoFit/>
+          </a:bodyPr>
+          <a:lstStyle/>
+          <a:p>
+            <a:r>
+              <a:rPr lang="en-US" sz="2800" i="1" dirty="0">
+                <a:solidFill>
+                  <a:schemeClr val="accent5">
+                    <a:lumMod val="20000"/>
+                    <a:lumOff val="80000"/>
+                  </a:schemeClr>
+                </a:solidFill>
+              </a:rPr>
+              <a:t>An error is not an event it’s a Chain Reaction!</a:t>
+            </a:r>
+            <a:endParaRPr lang="en-IN" sz="2800" i="1" dirty="0">
+              <a:solidFill>
+                <a:schemeClr val="accent5">
+                  <a:lumMod val="20000"/>
+                  <a:lumOff val="80000"/>
+                </a:schemeClr>
+              </a:solidFill>
+            </a:endParaRPr>
+          </a:p>
+        </p:txBody>
+      </p:sp>
     </p:spTree>
     <p:extLst>
       <p:ext uri="{BB962C8B-B14F-4D97-AF65-F5344CB8AC3E}">
@@ -3086,7 +3702,7 @@
     <p:bg>
       <p:bgPr>
         <a:solidFill>
-          <a:srgbClr val="0A192F"/>
+          <a:srgbClr val="0B0F28"/>
         </a:solidFill>
         <a:effectLst/>
       </p:bgPr>
@@ -3135,6 +3751,18 @@
               </a:spcBef>
             </a:pPr>
             <a:r>
+              <a:rPr lang="en-US" sz="7000" b="1" spc="-70" dirty="0" err="1">
+                <a:solidFill>
+                  <a:srgbClr val="64B5F6"/>
+                </a:solidFill>
+                <a:latin typeface="Telegraf Bold"/>
+                <a:ea typeface="Telegraf Bold"/>
+                <a:cs typeface="Telegraf Bold"/>
+                <a:sym typeface="Telegraf Bold"/>
+              </a:rPr>
+              <a:t>ChAIn</a:t>
+            </a:r>
+            <a:r>
               <a:rPr lang="en-US" sz="7000" b="1" spc="-70" dirty="0">
                 <a:solidFill>
                   <a:srgbClr val="64B5F6"/>
@@ -3144,7 +3772,7 @@
                 <a:cs typeface="Telegraf Bold"/>
                 <a:sym typeface="Telegraf Bold"/>
               </a:rPr>
-              <a:t>chain reaction</a:t>
+              <a:t> Reaction </a:t>
             </a:r>
             <a:r>
               <a:rPr lang="en-US" sz="7000" b="1" u="none" strike="noStrike" spc="-70" dirty="0">
@@ -3169,10 +3797,10 @@
         </p:nvGrpSpPr>
         <p:grpSpPr>
           <a:xfrm>
-            <a:off x="668447" y="1379617"/>
-            <a:ext cx="5427383" cy="2685264"/>
-            <a:chOff x="0" y="0"/>
-            <a:chExt cx="7236511" cy="3580353"/>
+            <a:off x="668447" y="1460492"/>
+            <a:ext cx="5427383" cy="2692408"/>
+            <a:chOff x="0" y="-9525"/>
+            <a:chExt cx="7236511" cy="3589879"/>
           </a:xfrm>
         </p:grpSpPr>
         <p:sp>
@@ -3184,7 +3812,7 @@
           <p:spPr>
             <a:xfrm>
               <a:off x="0" y="-9525"/>
-              <a:ext cx="7236511" cy="605790"/>
+              <a:ext cx="7236511" cy="564258"/>
             </a:xfrm>
             <a:prstGeom prst="rect">
               <a:avLst/>
@@ -3202,9 +3830,9 @@
                 </a:lnSpc>
               </a:pPr>
               <a:r>
-                <a:rPr lang="en-US" sz="2962" b="1" spc="-29">
+                <a:rPr lang="en-US" sz="2962" b="1" spc="-29" dirty="0">
                   <a:solidFill>
-                    <a:srgbClr val="ADE8F4"/>
+                    <a:srgbClr val="D8A4E6"/>
                   </a:solidFill>
                   <a:latin typeface="Telegraf Bold"/>
                   <a:ea typeface="Telegraf Bold"/>
@@ -3225,7 +3853,7 @@
           <p:spPr>
             <a:xfrm>
               <a:off x="0" y="752486"/>
-              <a:ext cx="7236511" cy="2827867"/>
+              <a:ext cx="7236511" cy="2827868"/>
             </a:xfrm>
             <a:prstGeom prst="rect">
               <a:avLst/>
@@ -3245,7 +3873,7 @@
               <a:r>
                 <a:rPr lang="en-US" sz="2000" spc="-20" dirty="0">
                   <a:solidFill>
-                    <a:srgbClr val="ADE8F4"/>
+                    <a:srgbClr val="B2CCEC"/>
                   </a:solidFill>
                   <a:latin typeface="Telegraf"/>
                   <a:ea typeface="Telegraf"/>
@@ -3266,10 +3894,10 @@
         </p:nvGrpSpPr>
         <p:grpSpPr>
           <a:xfrm>
-            <a:off x="685970" y="4445530"/>
+            <a:off x="685970" y="4650505"/>
             <a:ext cx="5429080" cy="5217393"/>
             <a:chOff x="0" y="-9525"/>
-            <a:chExt cx="7238774" cy="6956525"/>
+            <a:chExt cx="7238774" cy="6956523"/>
           </a:xfrm>
         </p:grpSpPr>
         <p:sp>
@@ -3281,7 +3909,7 @@
           <p:spPr>
             <a:xfrm>
               <a:off x="0" y="-9525"/>
-              <a:ext cx="7238774" cy="605790"/>
+              <a:ext cx="7238774" cy="564257"/>
             </a:xfrm>
             <a:prstGeom prst="rect">
               <a:avLst/>
@@ -3299,9 +3927,9 @@
                 </a:lnSpc>
               </a:pPr>
               <a:r>
-                <a:rPr lang="en-US" sz="2962" b="1" spc="-29">
+                <a:rPr lang="en-US" sz="2962" b="1" spc="-29" dirty="0">
                   <a:solidFill>
-                    <a:srgbClr val="ADE8F4"/>
+                    <a:srgbClr val="D8A4E6"/>
                   </a:solidFill>
                   <a:latin typeface="Telegraf Bold"/>
                   <a:ea typeface="Telegraf Bold"/>
@@ -3322,7 +3950,7 @@
           <p:spPr>
             <a:xfrm>
               <a:off x="0" y="752484"/>
-              <a:ext cx="7238774" cy="6194516"/>
+              <a:ext cx="7238774" cy="6194514"/>
             </a:xfrm>
             <a:prstGeom prst="rect">
               <a:avLst/>
@@ -3342,7 +3970,7 @@
               <a:r>
                 <a:rPr lang="en-US" sz="2000" spc="-20" dirty="0" err="1">
                   <a:solidFill>
-                    <a:srgbClr val="ADE8F4"/>
+                    <a:srgbClr val="B2CCEC"/>
                   </a:solidFill>
                   <a:latin typeface="Telegraf"/>
                   <a:ea typeface="Telegraf"/>
@@ -3354,7 +3982,7 @@
               <a:r>
                 <a:rPr lang="en-US" sz="2000" spc="-20" dirty="0">
                   <a:solidFill>
-                    <a:srgbClr val="ADE8F4"/>
+                    <a:srgbClr val="B2CCEC"/>
                   </a:solidFill>
                   <a:latin typeface="Telegraf"/>
                   <a:ea typeface="Telegraf"/>
@@ -3366,7 +3994,7 @@
               <a:r>
                 <a:rPr lang="en-US" sz="2000" b="1" spc="-20" dirty="0">
                   <a:solidFill>
-                    <a:srgbClr val="ADE8F4"/>
+                    <a:srgbClr val="B2CCEC"/>
                   </a:solidFill>
                   <a:latin typeface="Telegraf"/>
                   <a:ea typeface="Telegraf"/>
@@ -3378,7 +4006,7 @@
               <a:r>
                 <a:rPr lang="en-US" sz="2000" spc="-20" dirty="0">
                   <a:solidFill>
-                    <a:srgbClr val="ADE8F4"/>
+                    <a:srgbClr val="B2CCEC"/>
                   </a:solidFill>
                   <a:latin typeface="Telegraf"/>
                   <a:ea typeface="Telegraf"/>
@@ -3397,7 +4025,7 @@
               <a:r>
                 <a:rPr lang="en-US" sz="2000" spc="-20" dirty="0">
                   <a:solidFill>
-                    <a:srgbClr val="ADE8F4"/>
+                    <a:srgbClr val="B2CCEC"/>
                   </a:solidFill>
                   <a:latin typeface="Telegraf"/>
                   <a:ea typeface="Telegraf"/>
@@ -3416,7 +4044,7 @@
               <a:r>
                 <a:rPr lang="en-US" sz="2000" spc="-20" dirty="0">
                   <a:solidFill>
-                    <a:srgbClr val="ADE8F4"/>
+                    <a:srgbClr val="B2CCEC"/>
                   </a:solidFill>
                   <a:latin typeface="Telegraf"/>
                   <a:ea typeface="Telegraf"/>
@@ -3435,7 +4063,7 @@
               <a:r>
                 <a:rPr lang="en-US" sz="2000" b="1" spc="-20" dirty="0" err="1">
                   <a:solidFill>
-                    <a:srgbClr val="ADE8F4"/>
+                    <a:srgbClr val="B2CCEC"/>
                   </a:solidFill>
                   <a:latin typeface="Telegraf"/>
                   <a:ea typeface="Telegraf"/>
@@ -3447,7 +4075,7 @@
               <a:r>
                 <a:rPr lang="en-US" sz="2000" b="1" spc="-20" dirty="0">
                   <a:solidFill>
-                    <a:srgbClr val="ADE8F4"/>
+                    <a:srgbClr val="B2CCEC"/>
                   </a:solidFill>
                   <a:latin typeface="Telegraf"/>
                   <a:ea typeface="Telegraf"/>
@@ -3459,7 +4087,7 @@
               <a:r>
                 <a:rPr lang="en-US" sz="2000" spc="-20" dirty="0">
                   <a:solidFill>
-                    <a:srgbClr val="ADE8F4"/>
+                    <a:srgbClr val="B2CCEC"/>
                   </a:solidFill>
                   <a:latin typeface="Telegraf"/>
                   <a:ea typeface="Telegraf"/>
@@ -3480,10 +4108,10 @@
         </p:nvGrpSpPr>
         <p:grpSpPr>
           <a:xfrm>
-            <a:off x="6471025" y="1442716"/>
+            <a:off x="6471025" y="1530735"/>
             <a:ext cx="5429080" cy="1985741"/>
             <a:chOff x="0" y="-9525"/>
-            <a:chExt cx="7238774" cy="2647656"/>
+            <a:chExt cx="7238774" cy="2647655"/>
           </a:xfrm>
         </p:grpSpPr>
         <p:sp>
@@ -3495,7 +4123,7 @@
           <p:spPr>
             <a:xfrm>
               <a:off x="0" y="-9525"/>
-              <a:ext cx="7238774" cy="605790"/>
+              <a:ext cx="7238774" cy="564257"/>
             </a:xfrm>
             <a:prstGeom prst="rect">
               <a:avLst/>
@@ -3513,9 +4141,9 @@
                 </a:lnSpc>
               </a:pPr>
               <a:r>
-                <a:rPr lang="en-US" sz="2962" b="1" spc="-29">
+                <a:rPr lang="en-US" sz="2962" b="1" spc="-29" dirty="0">
                   <a:solidFill>
-                    <a:srgbClr val="ADE8F4"/>
+                    <a:srgbClr val="D8A4E6"/>
                   </a:solidFill>
                   <a:latin typeface="Telegraf Bold"/>
                   <a:ea typeface="Telegraf Bold"/>
@@ -3536,7 +4164,7 @@
           <p:spPr>
             <a:xfrm>
               <a:off x="0" y="752486"/>
-              <a:ext cx="7238774" cy="1885645"/>
+              <a:ext cx="7238774" cy="1885644"/>
             </a:xfrm>
             <a:prstGeom prst="rect">
               <a:avLst/>
@@ -3558,7 +4186,7 @@
               <a:r>
                 <a:rPr lang="en-US" sz="2000" spc="-20" dirty="0">
                   <a:solidFill>
-                    <a:srgbClr val="ADE8F4"/>
+                    <a:srgbClr val="B2CCEC"/>
                   </a:solidFill>
                   <a:latin typeface="Telegraf"/>
                   <a:ea typeface="Telegraf"/>
@@ -3579,7 +4207,7 @@
               <a:r>
                 <a:rPr lang="en-US" sz="2000" spc="-20" dirty="0">
                   <a:solidFill>
-                    <a:srgbClr val="ADE8F4"/>
+                    <a:srgbClr val="B2CCEC"/>
                   </a:solidFill>
                   <a:latin typeface="Telegraf"/>
                   <a:ea typeface="Telegraf"/>
@@ -3600,7 +4228,7 @@
         </p:nvGrpSpPr>
         <p:grpSpPr>
           <a:xfrm>
-            <a:off x="12302338" y="1442716"/>
+            <a:off x="12302338" y="1530735"/>
             <a:ext cx="5429080" cy="2344814"/>
             <a:chOff x="0" y="-9525"/>
             <a:chExt cx="7238774" cy="3126420"/>
@@ -3615,7 +4243,7 @@
           <p:spPr>
             <a:xfrm>
               <a:off x="0" y="-9525"/>
-              <a:ext cx="7238774" cy="605790"/>
+              <a:ext cx="7238774" cy="564258"/>
             </a:xfrm>
             <a:prstGeom prst="rect">
               <a:avLst/>
@@ -3633,9 +4261,9 @@
                 </a:lnSpc>
               </a:pPr>
               <a:r>
-                <a:rPr lang="en-US" sz="2962" b="1" spc="-29">
+                <a:rPr lang="en-US" sz="2962" b="1" spc="-29" dirty="0">
                   <a:solidFill>
-                    <a:srgbClr val="ADE8F4"/>
+                    <a:srgbClr val="D8A4E6"/>
                   </a:solidFill>
                   <a:latin typeface="Telegraf Bold"/>
                   <a:ea typeface="Telegraf Bold"/>
@@ -3678,7 +4306,7 @@
               <a:r>
                 <a:rPr lang="en-US" sz="2000" spc="-20" dirty="0">
                   <a:solidFill>
-                    <a:srgbClr val="ADE8F4"/>
+                    <a:srgbClr val="B2CCEC"/>
                   </a:solidFill>
                   <a:latin typeface="Telegraf"/>
                   <a:ea typeface="Telegraf"/>
@@ -3699,14 +4327,14 @@
               <a:r>
                 <a:rPr lang="en-US" sz="2000" spc="-20" dirty="0">
                   <a:solidFill>
-                    <a:srgbClr val="ADE8F4"/>
+                    <a:srgbClr val="B2CCEC"/>
                   </a:solidFill>
                   <a:latin typeface="Telegraf"/>
                   <a:ea typeface="Telegraf"/>
                   <a:cs typeface="Telegraf"/>
                   <a:sym typeface="Telegraf"/>
                 </a:rPr>
-                <a:t>Traversal Latency </a:t>
+                <a:t>Time to production </a:t>
               </a:r>
             </a:p>
             <a:p>
@@ -3720,7 +4348,7 @@
               <a:r>
                 <a:rPr lang="en-US" sz="2000" spc="-20" dirty="0">
                   <a:solidFill>
-                    <a:srgbClr val="ADE8F4"/>
+                    <a:srgbClr val="B2CCEC"/>
                   </a:solidFill>
                   <a:latin typeface="Telegraf"/>
                   <a:ea typeface="Telegraf"/>
@@ -3741,7 +4369,7 @@
               <a:r>
                 <a:rPr lang="en-US" sz="2000" spc="-20" dirty="0">
                   <a:solidFill>
-                    <a:srgbClr val="ADE8F4"/>
+                    <a:srgbClr val="B2CCEC"/>
                   </a:solidFill>
                   <a:latin typeface="Telegraf"/>
                   <a:ea typeface="Telegraf"/>
@@ -3762,7 +4390,7 @@
               <a:r>
                 <a:rPr lang="en-US" sz="2000" spc="-20" dirty="0">
                   <a:solidFill>
-                    <a:srgbClr val="ADE8F4"/>
+                    <a:srgbClr val="B2CCEC"/>
                   </a:solidFill>
                   <a:latin typeface="Telegraf"/>
                   <a:ea typeface="Telegraf"/>
@@ -3783,7 +4411,7 @@
         </p:nvGrpSpPr>
         <p:grpSpPr>
           <a:xfrm>
-            <a:off x="12302338" y="4373757"/>
+            <a:off x="12302338" y="4578732"/>
             <a:ext cx="5429080" cy="3422032"/>
             <a:chOff x="0" y="-9525"/>
             <a:chExt cx="7238774" cy="4562711"/>
@@ -3798,7 +4426,7 @@
           <p:spPr>
             <a:xfrm>
               <a:off x="0" y="-9525"/>
-              <a:ext cx="7238774" cy="605790"/>
+              <a:ext cx="7238774" cy="564258"/>
             </a:xfrm>
             <a:prstGeom prst="rect">
               <a:avLst/>
@@ -3816,9 +4444,9 @@
                 </a:lnSpc>
               </a:pPr>
               <a:r>
-                <a:rPr lang="en-US" sz="2962" b="1" spc="-29">
+                <a:rPr lang="en-US" sz="2962" b="1" spc="-29" dirty="0">
                   <a:solidFill>
-                    <a:srgbClr val="ADE8F4"/>
+                    <a:srgbClr val="D8A4E6"/>
                   </a:solidFill>
                   <a:latin typeface="Telegraf Bold"/>
                   <a:ea typeface="Telegraf Bold"/>
@@ -3861,7 +4489,7 @@
               <a:r>
                 <a:rPr lang="en-US" sz="2000" spc="-20" dirty="0">
                   <a:solidFill>
-                    <a:srgbClr val="ADE8F4"/>
+                    <a:srgbClr val="B2CCEC"/>
                   </a:solidFill>
                   <a:latin typeface="Telegraf"/>
                   <a:ea typeface="Telegraf"/>
@@ -3881,7 +4509,7 @@
               </a:pPr>
               <a:endParaRPr lang="en-US" sz="2000" spc="-20" dirty="0">
                 <a:solidFill>
-                  <a:srgbClr val="ADE8F4"/>
+                  <a:srgbClr val="B2CCEC"/>
                 </a:solidFill>
                 <a:latin typeface="Telegraf"/>
                 <a:ea typeface="Telegraf"/>
@@ -3900,7 +4528,7 @@
               <a:r>
                 <a:rPr lang="en-US" sz="2000" spc="-20" dirty="0">
                   <a:solidFill>
-                    <a:srgbClr val="ADE8F4"/>
+                    <a:srgbClr val="B2CCEC"/>
                   </a:solidFill>
                   <a:latin typeface="Telegraf"/>
                   <a:ea typeface="Telegraf"/>
@@ -3921,10 +4549,10 @@
         </p:nvGrpSpPr>
         <p:grpSpPr>
           <a:xfrm>
-            <a:off x="6419405" y="4445530"/>
-            <a:ext cx="5424446" cy="4858323"/>
+            <a:off x="6419405" y="4650505"/>
+            <a:ext cx="5424446" cy="5217395"/>
             <a:chOff x="0" y="-9525"/>
-            <a:chExt cx="7232595" cy="6477766"/>
+            <a:chExt cx="7232595" cy="6956529"/>
           </a:xfrm>
         </p:grpSpPr>
         <p:sp>
@@ -3936,7 +4564,7 @@
           <p:spPr>
             <a:xfrm>
               <a:off x="0" y="-9525"/>
-              <a:ext cx="7232595" cy="605790"/>
+              <a:ext cx="7232595" cy="564258"/>
             </a:xfrm>
             <a:prstGeom prst="rect">
               <a:avLst/>
@@ -3954,9 +4582,9 @@
                 </a:lnSpc>
               </a:pPr>
               <a:r>
-                <a:rPr lang="en-US" sz="2962" b="1" spc="-29">
+                <a:rPr lang="en-US" sz="2962" b="1" spc="-29" dirty="0">
                   <a:solidFill>
-                    <a:srgbClr val="ADE8F4"/>
+                    <a:srgbClr val="D8A4E6"/>
                   </a:solidFill>
                   <a:latin typeface="Telegraf Bold"/>
                   <a:ea typeface="Telegraf Bold"/>
@@ -3977,7 +4605,7 @@
           <p:spPr>
             <a:xfrm>
               <a:off x="0" y="752486"/>
-              <a:ext cx="7232595" cy="5715755"/>
+              <a:ext cx="7232595" cy="6194518"/>
             </a:xfrm>
             <a:prstGeom prst="rect">
               <a:avLst/>
@@ -3999,7 +4627,7 @@
               <a:r>
                 <a:rPr lang="en-US" sz="2000" spc="-20" dirty="0">
                   <a:solidFill>
-                    <a:srgbClr val="ADE8F4"/>
+                    <a:srgbClr val="B2CCEC"/>
                   </a:solidFill>
                   <a:latin typeface="Telegraf"/>
                   <a:ea typeface="Telegraf"/>
@@ -4020,7 +4648,7 @@
               <a:r>
                 <a:rPr lang="en-US" sz="2000" spc="-20" dirty="0">
                   <a:solidFill>
-                    <a:srgbClr val="ADE8F4"/>
+                    <a:srgbClr val="B2CCEC"/>
                   </a:solidFill>
                   <a:latin typeface="Telegraf"/>
                   <a:ea typeface="Telegraf"/>
@@ -4041,7 +4669,7 @@
               <a:r>
                 <a:rPr lang="en-US" sz="2000" spc="-20" dirty="0">
                   <a:solidFill>
-                    <a:srgbClr val="ADE8F4"/>
+                    <a:srgbClr val="B2CCEC"/>
                   </a:solidFill>
                   <a:latin typeface="Telegraf"/>
                   <a:ea typeface="Telegraf"/>
@@ -4062,43 +4690,40 @@
               <a:r>
                 <a:rPr lang="en-US" sz="2000" spc="-20" dirty="0">
                   <a:solidFill>
-                    <a:srgbClr val="ADE8F4"/>
+                    <a:srgbClr val="B2CCEC"/>
                   </a:solidFill>
                   <a:latin typeface="Telegraf"/>
                   <a:ea typeface="Telegraf"/>
                   <a:cs typeface="Telegraf"/>
                   <a:sym typeface="Telegraf"/>
                 </a:rPr>
-                <a:t>AI turns complex graph insights into clear, actionable explanations for teams and leaders.</a:t>
+                <a:t>AI turns complex graph insights into clear, actionable explanations for teams.</a:t>
+              </a:r>
+            </a:p>
+            <a:p>
+              <a:pPr marL="342900" lvl="0" indent="-342900">
+                <a:lnSpc>
+                  <a:spcPts val="2800"/>
+                </a:lnSpc>
+                <a:buFont typeface="Arial" panose="020B0604020202020204" pitchFamily="34" charset="0"/>
+                <a:buChar char="•"/>
+              </a:pPr>
+              <a:r>
+                <a:rPr lang="en-US" sz="2000" spc="-20" dirty="0">
+                  <a:solidFill>
+                    <a:srgbClr val="B2CCEC"/>
+                  </a:solidFill>
+                  <a:latin typeface="Telegraf"/>
+                  <a:ea typeface="Telegraf"/>
+                  <a:cs typeface="Telegraf"/>
+                  <a:sym typeface="Telegraf"/>
+                </a:rPr>
+                <a:t>Effective time to production with minimal learning curve.</a:t>
               </a:r>
             </a:p>
           </p:txBody>
         </p:sp>
       </p:grpSp>
-      <p:sp>
-        <p:nvSpPr>
-          <p:cNvPr id="21" name="AutoShape 21"/>
-          <p:cNvSpPr/>
-          <p:nvPr/>
-        </p:nvSpPr>
-        <p:spPr>
-          <a:xfrm>
-            <a:off x="666750" y="9620250"/>
-            <a:ext cx="16954500" cy="0"/>
-          </a:xfrm>
-          <a:prstGeom prst="line">
-            <a:avLst/>
-          </a:prstGeom>
-          <a:ln w="9525" cap="flat">
-            <a:solidFill>
-              <a:srgbClr val="ADE8F4"/>
-            </a:solidFill>
-            <a:prstDash val="solid"/>
-            <a:headEnd type="none" w="sm" len="sm"/>
-            <a:tailEnd type="none" w="sm" len="sm"/>
-          </a:ln>
-        </p:spPr>
-      </p:sp>
       <p:sp>
         <p:nvSpPr>
           <p:cNvPr id="22" name="TextBox 22"/>
@@ -4143,6 +4768,43 @@
           </a:p>
         </p:txBody>
       </p:sp>
+      <p:pic>
+        <p:nvPicPr>
+          <p:cNvPr id="24" name="Picture 23" descr="A logo with blue and purple colors&#10;&#10;AI-generated content may be incorrect.">
+            <a:extLst>
+              <a:ext uri="{FF2B5EF4-FFF2-40B4-BE49-F238E27FC236}">
+                <a16:creationId xmlns:a16="http://schemas.microsoft.com/office/drawing/2014/main" id="{77AFC53D-1EDA-CC3A-FB4D-2EE560A75274}"/>
+              </a:ext>
+            </a:extLst>
+          </p:cNvPr>
+          <p:cNvPicPr>
+            <a:picLocks noChangeAspect="1"/>
+          </p:cNvPicPr>
+          <p:nvPr/>
+        </p:nvPicPr>
+        <p:blipFill>
+          <a:blip r:embed="rId2">
+            <a:extLst>
+              <a:ext uri="{28A0092B-C50C-407E-A947-70E740481C1C}">
+                <a14:useLocalDpi xmlns:a14="http://schemas.microsoft.com/office/drawing/2010/main" val="0"/>
+              </a:ext>
+            </a:extLst>
+          </a:blip>
+          <a:srcRect t="20356" b="37434"/>
+          <a:stretch>
+            <a:fillRect/>
+          </a:stretch>
+        </p:blipFill>
+        <p:spPr>
+          <a:xfrm>
+            <a:off x="7162800" y="315486"/>
+            <a:ext cx="2495550" cy="817855"/>
+          </a:xfrm>
+          <a:prstGeom prst="rect">
+            <a:avLst/>
+          </a:prstGeom>
+        </p:spPr>
+      </p:pic>
     </p:spTree>
   </p:cSld>
   <p:clrMapOvr>
@@ -4170,10 +4832,10 @@
       </p:grpSpPr>
       <p:pic>
         <p:nvPicPr>
-          <p:cNvPr id="3" name="Picture 2" descr="A diagram of a flowchart&#10;&#10;AI-generated content may be incorrect.">
+          <p:cNvPr id="4" name="Picture 3" descr="A diagram of a flowchart&#10;&#10;AI-generated content may be incorrect.">
             <a:extLst>
               <a:ext uri="{FF2B5EF4-FFF2-40B4-BE49-F238E27FC236}">
-                <a16:creationId xmlns:a16="http://schemas.microsoft.com/office/drawing/2014/main" id="{CA101BFB-1613-9CBF-9F74-0F4B40E3A7B3}"/>
+                <a16:creationId xmlns:a16="http://schemas.microsoft.com/office/drawing/2014/main" id="{A63AA279-AD0D-2D87-3990-3FF09B216302}"/>
               </a:ext>
             </a:extLst>
           </p:cNvPr>
@@ -4196,8 +4858,8 @@
         </p:blipFill>
         <p:spPr>
           <a:xfrm>
-            <a:off x="0" y="0"/>
-            <a:ext cx="18288000" cy="10287000"/>
+            <a:off x="-304800" y="-266701"/>
+            <a:ext cx="18897600" cy="10611853"/>
           </a:xfrm>
           <a:prstGeom prst="rect">
             <a:avLst/>
@@ -4220,6 +4882,14 @@
 <file path=ppt/slides/slide4.xml><?xml version="1.0" encoding="utf-8"?>
 <p:sld xmlns:a="http://schemas.openxmlformats.org/drawingml/2006/main" xmlns:r="http://schemas.openxmlformats.org/officeDocument/2006/relationships" xmlns:p="http://schemas.openxmlformats.org/presentationml/2006/main">
   <p:cSld>
+    <p:bg>
+      <p:bgPr>
+        <a:solidFill>
+          <a:srgbClr val="0B0F28"/>
+        </a:solidFill>
+        <a:effectLst/>
+      </p:bgPr>
+    </p:bg>
     <p:spTree>
       <p:nvGrpSpPr>
         <p:cNvPr id="1" name=""/>
@@ -4234,10 +4904,723 @@
           <a:chExt cx="0" cy="0"/>
         </a:xfrm>
       </p:grpSpPr>
+      <p:pic>
+        <p:nvPicPr>
+          <p:cNvPr id="5" name="Picture 4" descr="A screenshot of a computer&#10;&#10;AI-generated content may be incorrect.">
+            <a:extLst>
+              <a:ext uri="{FF2B5EF4-FFF2-40B4-BE49-F238E27FC236}">
+                <a16:creationId xmlns:a16="http://schemas.microsoft.com/office/drawing/2014/main" id="{3F6B3515-F288-8DB7-E962-EF0A9ED1D0D0}"/>
+              </a:ext>
+            </a:extLst>
+          </p:cNvPr>
+          <p:cNvPicPr>
+            <a:picLocks noChangeAspect="1"/>
+          </p:cNvPicPr>
+          <p:nvPr/>
+        </p:nvPicPr>
+        <p:blipFill>
+          <a:blip r:embed="rId2">
+            <a:extLst>
+              <a:ext uri="{28A0092B-C50C-407E-A947-70E740481C1C}">
+                <a14:useLocalDpi xmlns:a14="http://schemas.microsoft.com/office/drawing/2010/main" val="0"/>
+              </a:ext>
+            </a:extLst>
+          </a:blip>
+          <a:srcRect l="961"/>
+          <a:stretch>
+            <a:fillRect/>
+          </a:stretch>
+        </p:blipFill>
+        <p:spPr>
+          <a:xfrm>
+            <a:off x="414091" y="495300"/>
+            <a:ext cx="7854713" cy="4815197"/>
+          </a:xfrm>
+          <a:prstGeom prst="rect">
+            <a:avLst/>
+          </a:prstGeom>
+        </p:spPr>
+      </p:pic>
+      <p:pic>
+        <p:nvPicPr>
+          <p:cNvPr id="3" name="Picture 2" descr="A screenshot of a computer&#10;&#10;AI-generated content may be incorrect.">
+            <a:extLst>
+              <a:ext uri="{FF2B5EF4-FFF2-40B4-BE49-F238E27FC236}">
+                <a16:creationId xmlns:a16="http://schemas.microsoft.com/office/drawing/2014/main" id="{A7D75817-DB13-C569-2644-EB905FC509FC}"/>
+              </a:ext>
+            </a:extLst>
+          </p:cNvPr>
+          <p:cNvPicPr>
+            <a:picLocks noChangeAspect="1"/>
+          </p:cNvPicPr>
+          <p:nvPr/>
+        </p:nvPicPr>
+        <p:blipFill>
+          <a:blip r:embed="rId3">
+            <a:extLst>
+              <a:ext uri="{28A0092B-C50C-407E-A947-70E740481C1C}">
+                <a14:useLocalDpi xmlns:a14="http://schemas.microsoft.com/office/drawing/2010/main" val="0"/>
+              </a:ext>
+            </a:extLst>
+          </a:blip>
+          <a:srcRect b="17985"/>
+          <a:stretch>
+            <a:fillRect/>
+          </a:stretch>
+        </p:blipFill>
+        <p:spPr>
+          <a:xfrm>
+            <a:off x="414092" y="5310497"/>
+            <a:ext cx="7854712" cy="4093029"/>
+          </a:xfrm>
+          <a:prstGeom prst="rect">
+            <a:avLst/>
+          </a:prstGeom>
+        </p:spPr>
+      </p:pic>
+      <p:pic>
+        <p:nvPicPr>
+          <p:cNvPr id="7" name="Picture 6" descr="A screenshot of a computer screen&#10;&#10;AI-generated content may be incorrect.">
+            <a:extLst>
+              <a:ext uri="{FF2B5EF4-FFF2-40B4-BE49-F238E27FC236}">
+                <a16:creationId xmlns:a16="http://schemas.microsoft.com/office/drawing/2014/main" id="{E47518F3-B40D-6149-2602-E0DDC3C46F19}"/>
+              </a:ext>
+            </a:extLst>
+          </p:cNvPr>
+          <p:cNvPicPr>
+            <a:picLocks noChangeAspect="1"/>
+          </p:cNvPicPr>
+          <p:nvPr/>
+        </p:nvPicPr>
+        <p:blipFill>
+          <a:blip r:embed="rId4">
+            <a:extLst>
+              <a:ext uri="{28A0092B-C50C-407E-A947-70E740481C1C}">
+                <a14:useLocalDpi xmlns:a14="http://schemas.microsoft.com/office/drawing/2010/main" val="0"/>
+              </a:ext>
+            </a:extLst>
+          </a:blip>
+          <a:stretch>
+            <a:fillRect/>
+          </a:stretch>
+        </p:blipFill>
+        <p:spPr>
+          <a:xfrm>
+            <a:off x="8831706" y="4380531"/>
+            <a:ext cx="8950973" cy="5022995"/>
+          </a:xfrm>
+          <a:prstGeom prst="rect">
+            <a:avLst/>
+          </a:prstGeom>
+        </p:spPr>
+      </p:pic>
+      <p:cxnSp>
+        <p:nvCxnSpPr>
+          <p:cNvPr id="9" name="Straight Arrow Connector 8">
+            <a:extLst>
+              <a:ext uri="{FF2B5EF4-FFF2-40B4-BE49-F238E27FC236}">
+                <a16:creationId xmlns:a16="http://schemas.microsoft.com/office/drawing/2014/main" id="{D709E125-AAEA-814C-6DBE-D040197E6D64}"/>
+              </a:ext>
+            </a:extLst>
+          </p:cNvPr>
+          <p:cNvCxnSpPr/>
+          <p:nvPr/>
+        </p:nvCxnSpPr>
+        <p:spPr>
+          <a:xfrm>
+            <a:off x="8534400" y="342900"/>
+            <a:ext cx="0" cy="9518795"/>
+          </a:xfrm>
+          <a:prstGeom prst="straightConnector1">
+            <a:avLst/>
+          </a:prstGeom>
+          <a:ln w="47625">
+            <a:tailEnd type="triangle"/>
+          </a:ln>
+        </p:spPr>
+        <p:style>
+          <a:lnRef idx="3">
+            <a:schemeClr val="accent1"/>
+          </a:lnRef>
+          <a:fillRef idx="0">
+            <a:schemeClr val="accent1"/>
+          </a:fillRef>
+          <a:effectRef idx="2">
+            <a:schemeClr val="accent1"/>
+          </a:effectRef>
+          <a:fontRef idx="minor">
+            <a:schemeClr val="tx1"/>
+          </a:fontRef>
+        </p:style>
+      </p:cxnSp>
+      <p:sp>
+        <p:nvSpPr>
+          <p:cNvPr id="10" name="TextBox 2">
+            <a:extLst>
+              <a:ext uri="{FF2B5EF4-FFF2-40B4-BE49-F238E27FC236}">
+                <a16:creationId xmlns:a16="http://schemas.microsoft.com/office/drawing/2014/main" id="{32CB9B3B-FC46-4826-7969-86A04873A762}"/>
+              </a:ext>
+            </a:extLst>
+          </p:cNvPr>
+          <p:cNvSpPr txBox="1"/>
+          <p:nvPr/>
+        </p:nvSpPr>
+        <p:spPr>
+          <a:xfrm>
+            <a:off x="8839201" y="266700"/>
+            <a:ext cx="11506200" cy="1077218"/>
+          </a:xfrm>
+          <a:prstGeom prst="rect">
+            <a:avLst/>
+          </a:prstGeom>
+        </p:spPr>
+        <p:txBody>
+          <a:bodyPr lIns="0" tIns="0" rIns="0" bIns="0" rtlCol="0" anchor="t">
+            <a:spAutoFit/>
+          </a:bodyPr>
+          <a:lstStyle/>
+          <a:p>
+            <a:pPr marL="0" lvl="0" indent="0" algn="l">
+              <a:lnSpc>
+                <a:spcPts val="8400"/>
+              </a:lnSpc>
+              <a:spcBef>
+                <a:spcPct val="0"/>
+              </a:spcBef>
+            </a:pPr>
+            <a:r>
+              <a:rPr lang="en-US" sz="7000" b="1" spc="-70" dirty="0">
+                <a:solidFill>
+                  <a:srgbClr val="64B5F6"/>
+                </a:solidFill>
+                <a:latin typeface="Telegraf Bold"/>
+                <a:ea typeface="Telegraf Bold"/>
+                <a:cs typeface="Telegraf Bold"/>
+                <a:sym typeface="Telegraf Bold"/>
+              </a:rPr>
+              <a:t>Outcomes </a:t>
+            </a:r>
+            <a:r>
+              <a:rPr lang="en-US" sz="7000" b="1" u="none" strike="noStrike" spc="-70" dirty="0">
+                <a:solidFill>
+                  <a:srgbClr val="64B5F6"/>
+                </a:solidFill>
+                <a:latin typeface="Telegraf Bold"/>
+                <a:ea typeface="Telegraf Bold"/>
+                <a:cs typeface="Telegraf Bold"/>
+                <a:sym typeface="Telegraf Bold"/>
+              </a:rPr>
+              <a:t> </a:t>
+            </a:r>
+          </a:p>
+        </p:txBody>
+      </p:sp>
+      <p:pic>
+        <p:nvPicPr>
+          <p:cNvPr id="11" name="Picture 10" descr="A logo with blue and purple colors&#10;&#10;AI-generated content may be incorrect.">
+            <a:extLst>
+              <a:ext uri="{FF2B5EF4-FFF2-40B4-BE49-F238E27FC236}">
+                <a16:creationId xmlns:a16="http://schemas.microsoft.com/office/drawing/2014/main" id="{053CF508-C24D-A7CD-B623-8546EA6C63EF}"/>
+              </a:ext>
+            </a:extLst>
+          </p:cNvPr>
+          <p:cNvPicPr>
+            <a:picLocks noChangeAspect="1"/>
+          </p:cNvPicPr>
+          <p:nvPr/>
+        </p:nvPicPr>
+        <p:blipFill>
+          <a:blip r:embed="rId5">
+            <a:extLst>
+              <a:ext uri="{28A0092B-C50C-407E-A947-70E740481C1C}">
+                <a14:useLocalDpi xmlns:a14="http://schemas.microsoft.com/office/drawing/2010/main" val="0"/>
+              </a:ext>
+            </a:extLst>
+          </a:blip>
+          <a:srcRect t="20356" b="37434"/>
+          <a:stretch>
+            <a:fillRect/>
+          </a:stretch>
+        </p:blipFill>
+        <p:spPr>
+          <a:xfrm>
+            <a:off x="13049250" y="419100"/>
+            <a:ext cx="2495550" cy="817855"/>
+          </a:xfrm>
+          <a:prstGeom prst="rect">
+            <a:avLst/>
+          </a:prstGeom>
+        </p:spPr>
+      </p:pic>
+      <p:sp>
+        <p:nvSpPr>
+          <p:cNvPr id="14" name="TextBox 13">
+            <a:extLst>
+              <a:ext uri="{FF2B5EF4-FFF2-40B4-BE49-F238E27FC236}">
+                <a16:creationId xmlns:a16="http://schemas.microsoft.com/office/drawing/2014/main" id="{9A46E402-C0C4-EDCF-9B1D-E05428B5ABD4}"/>
+              </a:ext>
+            </a:extLst>
+          </p:cNvPr>
+          <p:cNvSpPr txBox="1"/>
+          <p:nvPr/>
+        </p:nvSpPr>
+        <p:spPr>
+          <a:xfrm>
+            <a:off x="8815467" y="1409700"/>
+            <a:ext cx="8786726" cy="2583784"/>
+          </a:xfrm>
+          <a:prstGeom prst="rect">
+            <a:avLst/>
+          </a:prstGeom>
+          <a:noFill/>
+        </p:spPr>
+        <p:txBody>
+          <a:bodyPr wrap="square">
+            <a:spAutoFit/>
+          </a:bodyPr>
+          <a:lstStyle/>
+          <a:p>
+            <a:pPr lvl="0">
+              <a:lnSpc>
+                <a:spcPts val="2800"/>
+              </a:lnSpc>
+            </a:pPr>
+            <a:r>
+              <a:rPr lang="en-US" sz="2000" spc="-20" dirty="0">
+                <a:solidFill>
+                  <a:srgbClr val="B2CCEC"/>
+                </a:solidFill>
+                <a:latin typeface="Telegraf"/>
+                <a:ea typeface="Telegraf"/>
+                <a:cs typeface="Telegraf"/>
+                <a:sym typeface="Telegraf"/>
+              </a:rPr>
+              <a:t>Comment ‘</a:t>
+            </a:r>
+            <a:r>
+              <a:rPr lang="en-US" sz="2000" b="1" i="1" spc="-20" dirty="0">
+                <a:solidFill>
+                  <a:srgbClr val="B2CCEC"/>
+                </a:solidFill>
+                <a:latin typeface="Telegraf"/>
+                <a:ea typeface="Telegraf"/>
+                <a:cs typeface="Telegraf"/>
+                <a:sym typeface="Telegraf"/>
+              </a:rPr>
+              <a:t>Analyze Impact!’</a:t>
+            </a:r>
+            <a:r>
+              <a:rPr lang="en-US" sz="2000" spc="-20" dirty="0">
+                <a:solidFill>
+                  <a:srgbClr val="B2CCEC"/>
+                </a:solidFill>
+                <a:latin typeface="Telegraf"/>
+                <a:ea typeface="Telegraf"/>
+                <a:cs typeface="Telegraf"/>
+                <a:sym typeface="Telegraf"/>
+              </a:rPr>
+              <a:t>  on the pull request of your version control platform to get a clear impact analysis explained by an AI helper. </a:t>
+            </a:r>
+            <a:br>
+              <a:rPr lang="en-US" sz="2000" spc="-20" dirty="0">
+                <a:solidFill>
+                  <a:srgbClr val="B2CCEC"/>
+                </a:solidFill>
+                <a:latin typeface="Telegraf"/>
+                <a:ea typeface="Telegraf"/>
+                <a:cs typeface="Telegraf"/>
+                <a:sym typeface="Telegraf"/>
+              </a:rPr>
+            </a:br>
+            <a:r>
+              <a:rPr lang="en-US" sz="2000" spc="-20" dirty="0">
+                <a:solidFill>
+                  <a:srgbClr val="B2CCEC"/>
+                </a:solidFill>
+                <a:latin typeface="Telegraf"/>
+                <a:ea typeface="Telegraf"/>
+                <a:cs typeface="Telegraf"/>
+                <a:sym typeface="Telegraf"/>
+              </a:rPr>
+              <a:t>Find out cross repo or complete impact by one comment!</a:t>
+            </a:r>
+            <a:br>
+              <a:rPr lang="en-US" sz="2000" spc="-20" dirty="0">
+                <a:solidFill>
+                  <a:srgbClr val="B2CCEC"/>
+                </a:solidFill>
+                <a:latin typeface="Telegraf"/>
+                <a:ea typeface="Telegraf"/>
+                <a:cs typeface="Telegraf"/>
+                <a:sym typeface="Telegraf"/>
+              </a:rPr>
+            </a:br>
+            <a:endParaRPr lang="en-US" sz="2000" spc="-20" dirty="0">
+              <a:solidFill>
+                <a:srgbClr val="B2CCEC"/>
+              </a:solidFill>
+              <a:latin typeface="Telegraf"/>
+              <a:ea typeface="Telegraf"/>
+              <a:cs typeface="Telegraf"/>
+              <a:sym typeface="Telegraf"/>
+            </a:endParaRPr>
+          </a:p>
+          <a:p>
+            <a:pPr lvl="0">
+              <a:lnSpc>
+                <a:spcPts val="2800"/>
+              </a:lnSpc>
+            </a:pPr>
+            <a:endParaRPr lang="en-US" sz="2000" spc="-20" dirty="0">
+              <a:solidFill>
+                <a:srgbClr val="B2CCEC"/>
+              </a:solidFill>
+              <a:latin typeface="Telegraf"/>
+              <a:ea typeface="Telegraf"/>
+              <a:cs typeface="Telegraf"/>
+              <a:sym typeface="Telegraf"/>
+            </a:endParaRPr>
+          </a:p>
+          <a:p>
+            <a:pPr lvl="0">
+              <a:lnSpc>
+                <a:spcPts val="2800"/>
+              </a:lnSpc>
+            </a:pPr>
+            <a:r>
+              <a:rPr lang="en-US" sz="2000" spc="-20" dirty="0">
+                <a:solidFill>
+                  <a:srgbClr val="B2CCEC"/>
+                </a:solidFill>
+                <a:latin typeface="Telegraf"/>
+                <a:ea typeface="Telegraf"/>
+                <a:cs typeface="Telegraf"/>
+                <a:sym typeface="Telegraf"/>
+              </a:rPr>
+              <a:t>Visualize Chain Reaction upon modification of any node and identify risk hotspots and inter-dependent clusters!</a:t>
+            </a:r>
+          </a:p>
+        </p:txBody>
+      </p:sp>
+      <p:sp>
+        <p:nvSpPr>
+          <p:cNvPr id="19" name="TextBox 18">
+            <a:extLst>
+              <a:ext uri="{FF2B5EF4-FFF2-40B4-BE49-F238E27FC236}">
+                <a16:creationId xmlns:a16="http://schemas.microsoft.com/office/drawing/2014/main" id="{EF13B9FA-992F-7768-2320-F7EFD999337C}"/>
+              </a:ext>
+            </a:extLst>
+          </p:cNvPr>
+          <p:cNvSpPr txBox="1"/>
+          <p:nvPr/>
+        </p:nvSpPr>
+        <p:spPr>
+          <a:xfrm>
+            <a:off x="1905000" y="9486900"/>
+            <a:ext cx="5257800" cy="369332"/>
+          </a:xfrm>
+          <a:prstGeom prst="rect">
+            <a:avLst/>
+          </a:prstGeom>
+          <a:noFill/>
+        </p:spPr>
+        <p:txBody>
+          <a:bodyPr wrap="square" rtlCol="0">
+            <a:spAutoFit/>
+          </a:bodyPr>
+          <a:lstStyle/>
+          <a:p>
+            <a:r>
+              <a:rPr lang="en-US" i="1" dirty="0">
+                <a:solidFill>
+                  <a:srgbClr val="B2CCEC"/>
+                </a:solidFill>
+              </a:rPr>
+              <a:t>Fig 1. Pull request impact analysis by chain reaction</a:t>
+            </a:r>
+            <a:endParaRPr lang="en-IN" i="1" dirty="0">
+              <a:solidFill>
+                <a:srgbClr val="B2CCEC"/>
+              </a:solidFill>
+            </a:endParaRPr>
+          </a:p>
+        </p:txBody>
+      </p:sp>
+      <p:sp>
+        <p:nvSpPr>
+          <p:cNvPr id="20" name="TextBox 19">
+            <a:extLst>
+              <a:ext uri="{FF2B5EF4-FFF2-40B4-BE49-F238E27FC236}">
+                <a16:creationId xmlns:a16="http://schemas.microsoft.com/office/drawing/2014/main" id="{2185C866-5B53-4602-58D9-55BC581395AC}"/>
+              </a:ext>
+            </a:extLst>
+          </p:cNvPr>
+          <p:cNvSpPr txBox="1"/>
+          <p:nvPr/>
+        </p:nvSpPr>
+        <p:spPr>
+          <a:xfrm>
+            <a:off x="10287013" y="9486900"/>
+            <a:ext cx="6781787" cy="369332"/>
+          </a:xfrm>
+          <a:prstGeom prst="rect">
+            <a:avLst/>
+          </a:prstGeom>
+          <a:noFill/>
+        </p:spPr>
+        <p:txBody>
+          <a:bodyPr wrap="square" rtlCol="0">
+            <a:spAutoFit/>
+          </a:bodyPr>
+          <a:lstStyle/>
+          <a:p>
+            <a:r>
+              <a:rPr lang="en-US" i="1" dirty="0">
+                <a:solidFill>
+                  <a:srgbClr val="B2CCEC"/>
+                </a:solidFill>
+              </a:rPr>
+              <a:t>Fig 2. Chain Reaction UI for onboarding repo and dependency analysis</a:t>
+            </a:r>
+            <a:endParaRPr lang="en-IN" i="1" dirty="0">
+              <a:solidFill>
+                <a:srgbClr val="B2CCEC"/>
+              </a:solidFill>
+            </a:endParaRPr>
+          </a:p>
+        </p:txBody>
+      </p:sp>
     </p:spTree>
     <p:extLst>
       <p:ext uri="{BB962C8B-B14F-4D97-AF65-F5344CB8AC3E}">
         <p14:creationId xmlns:p14="http://schemas.microsoft.com/office/powerpoint/2010/main" val="1239498252"/>
+      </p:ext>
+    </p:extLst>
+  </p:cSld>
+  <p:clrMapOvr>
+    <a:masterClrMapping/>
+  </p:clrMapOvr>
+</p:sld>
+</file>
+
+<file path=ppt/slides/slide5.xml><?xml version="1.0" encoding="utf-8"?>
+<p:sld xmlns:a="http://schemas.openxmlformats.org/drawingml/2006/main" xmlns:r="http://schemas.openxmlformats.org/officeDocument/2006/relationships" xmlns:p="http://schemas.openxmlformats.org/presentationml/2006/main">
+  <p:cSld>
+    <p:spTree>
+      <p:nvGrpSpPr>
+        <p:cNvPr id="1" name="">
+          <a:extLst>
+            <a:ext uri="{FF2B5EF4-FFF2-40B4-BE49-F238E27FC236}">
+              <a16:creationId xmlns:a16="http://schemas.microsoft.com/office/drawing/2014/main" id="{0299B1F0-9F8D-FD84-DDC9-6EA119E2A6BD}"/>
+            </a:ext>
+          </a:extLst>
+        </p:cNvPr>
+        <p:cNvGrpSpPr/>
+        <p:nvPr/>
+      </p:nvGrpSpPr>
+      <p:grpSpPr>
+        <a:xfrm>
+          <a:off x="0" y="0"/>
+          <a:ext cx="0" cy="0"/>
+          <a:chOff x="0" y="0"/>
+          <a:chExt cx="0" cy="0"/>
+        </a:xfrm>
+      </p:grpSpPr>
+      <p:pic>
+        <p:nvPicPr>
+          <p:cNvPr id="3" name="Picture 2" descr="A close-up of a network&#10;&#10;AI-generated content may be incorrect.">
+            <a:extLst>
+              <a:ext uri="{FF2B5EF4-FFF2-40B4-BE49-F238E27FC236}">
+                <a16:creationId xmlns:a16="http://schemas.microsoft.com/office/drawing/2014/main" id="{C38858FF-5FEF-754C-793F-79A5AAC69DC3}"/>
+              </a:ext>
+            </a:extLst>
+          </p:cNvPr>
+          <p:cNvPicPr>
+            <a:picLocks noChangeAspect="1"/>
+          </p:cNvPicPr>
+          <p:nvPr/>
+        </p:nvPicPr>
+        <p:blipFill>
+          <a:blip r:embed="rId2">
+            <a:alphaModFix/>
+            <a:extLst>
+              <a:ext uri="{BEBA8EAE-BF5A-486C-A8C5-ECC9F3942E4B}">
+                <a14:imgProps xmlns:a14="http://schemas.microsoft.com/office/drawing/2010/main">
+                  <a14:imgLayer r:embed="rId3">
+                    <a14:imgEffect>
+                      <a14:artisticBlur radius="4"/>
+                    </a14:imgEffect>
+                  </a14:imgLayer>
+                </a14:imgProps>
+              </a:ext>
+              <a:ext uri="{28A0092B-C50C-407E-A947-70E740481C1C}">
+                <a14:useLocalDpi xmlns:a14="http://schemas.microsoft.com/office/drawing/2010/main" val="0"/>
+              </a:ext>
+            </a:extLst>
+          </a:blip>
+          <a:stretch>
+            <a:fillRect/>
+          </a:stretch>
+        </p:blipFill>
+        <p:spPr>
+          <a:xfrm>
+            <a:off x="-14288" y="0"/>
+            <a:ext cx="18302288" cy="10287000"/>
+          </a:xfrm>
+          <a:prstGeom prst="rect">
+            <a:avLst/>
+          </a:prstGeom>
+        </p:spPr>
+      </p:pic>
+      <p:pic>
+        <p:nvPicPr>
+          <p:cNvPr id="7" name="Picture 6" descr="A logo with blue and purple colors&#10;&#10;AI-generated content may be incorrect.">
+            <a:extLst>
+              <a:ext uri="{FF2B5EF4-FFF2-40B4-BE49-F238E27FC236}">
+                <a16:creationId xmlns:a16="http://schemas.microsoft.com/office/drawing/2014/main" id="{1A56F210-E3DA-FA70-D447-3AF57A694073}"/>
+              </a:ext>
+            </a:extLst>
+          </p:cNvPr>
+          <p:cNvPicPr>
+            <a:picLocks noChangeAspect="1"/>
+          </p:cNvPicPr>
+          <p:nvPr/>
+        </p:nvPicPr>
+        <p:blipFill>
+          <a:blip r:embed="rId4">
+            <a:extLst>
+              <a:ext uri="{28A0092B-C50C-407E-A947-70E740481C1C}">
+                <a14:useLocalDpi xmlns:a14="http://schemas.microsoft.com/office/drawing/2010/main" val="0"/>
+              </a:ext>
+            </a:extLst>
+          </a:blip>
+          <a:stretch>
+            <a:fillRect/>
+          </a:stretch>
+        </p:blipFill>
+        <p:spPr>
+          <a:xfrm>
+            <a:off x="838200" y="1104900"/>
+            <a:ext cx="7391400" cy="5738851"/>
+          </a:xfrm>
+          <a:prstGeom prst="rect">
+            <a:avLst/>
+          </a:prstGeom>
+        </p:spPr>
+      </p:pic>
+      <p:sp>
+        <p:nvSpPr>
+          <p:cNvPr id="9" name="TextBox 8">
+            <a:extLst>
+              <a:ext uri="{FF2B5EF4-FFF2-40B4-BE49-F238E27FC236}">
+                <a16:creationId xmlns:a16="http://schemas.microsoft.com/office/drawing/2014/main" id="{5567E430-B21A-A238-1D9A-B717AC83120D}"/>
+              </a:ext>
+            </a:extLst>
+          </p:cNvPr>
+          <p:cNvSpPr txBox="1"/>
+          <p:nvPr/>
+        </p:nvSpPr>
+        <p:spPr>
+          <a:xfrm>
+            <a:off x="1371600" y="5534680"/>
+            <a:ext cx="8458200" cy="523220"/>
+          </a:xfrm>
+          <a:prstGeom prst="rect">
+            <a:avLst/>
+          </a:prstGeom>
+          <a:noFill/>
+        </p:spPr>
+        <p:txBody>
+          <a:bodyPr wrap="square" rtlCol="0">
+            <a:spAutoFit/>
+          </a:bodyPr>
+          <a:lstStyle/>
+          <a:p>
+            <a:r>
+              <a:rPr lang="en-US" sz="2800" i="1" dirty="0">
+                <a:solidFill>
+                  <a:schemeClr val="accent5">
+                    <a:lumMod val="20000"/>
+                    <a:lumOff val="80000"/>
+                  </a:schemeClr>
+                </a:solidFill>
+              </a:rPr>
+              <a:t>An error is not an event it’s a Chain Reaction!</a:t>
+            </a:r>
+            <a:endParaRPr lang="en-IN" sz="2800" i="1" dirty="0">
+              <a:solidFill>
+                <a:schemeClr val="accent5">
+                  <a:lumMod val="20000"/>
+                  <a:lumOff val="80000"/>
+                </a:schemeClr>
+              </a:solidFill>
+            </a:endParaRPr>
+          </a:p>
+        </p:txBody>
+      </p:sp>
+      <p:sp>
+        <p:nvSpPr>
+          <p:cNvPr id="4" name="TextBox 2">
+            <a:extLst>
+              <a:ext uri="{FF2B5EF4-FFF2-40B4-BE49-F238E27FC236}">
+                <a16:creationId xmlns:a16="http://schemas.microsoft.com/office/drawing/2014/main" id="{4A34ABD1-EA27-E4E7-91A4-309B6A68F41D}"/>
+              </a:ext>
+            </a:extLst>
+          </p:cNvPr>
+          <p:cNvSpPr txBox="1"/>
+          <p:nvPr/>
+        </p:nvSpPr>
+        <p:spPr>
+          <a:xfrm>
+            <a:off x="2057400" y="6288137"/>
+            <a:ext cx="11506200" cy="1077218"/>
+          </a:xfrm>
+          <a:prstGeom prst="rect">
+            <a:avLst/>
+          </a:prstGeom>
+        </p:spPr>
+        <p:txBody>
+          <a:bodyPr lIns="0" tIns="0" rIns="0" bIns="0" rtlCol="0" anchor="t">
+            <a:spAutoFit/>
+          </a:bodyPr>
+          <a:lstStyle/>
+          <a:p>
+            <a:pPr marL="0" lvl="0" indent="0" algn="l">
+              <a:lnSpc>
+                <a:spcPts val="8400"/>
+              </a:lnSpc>
+              <a:spcBef>
+                <a:spcPct val="0"/>
+              </a:spcBef>
+            </a:pPr>
+            <a:r>
+              <a:rPr lang="en-US" sz="7000" b="1" spc="-70" dirty="0">
+                <a:solidFill>
+                  <a:srgbClr val="64B5F6"/>
+                </a:solidFill>
+                <a:latin typeface="Telegraf Bold"/>
+                <a:ea typeface="Telegraf Bold"/>
+                <a:cs typeface="Telegraf Bold"/>
+                <a:sym typeface="Telegraf Bold"/>
+              </a:rPr>
+              <a:t>Thank You!</a:t>
+            </a:r>
+            <a:endParaRPr lang="en-US" sz="7000" b="1" u="none" strike="noStrike" spc="-70" dirty="0">
+              <a:solidFill>
+                <a:srgbClr val="64B5F6"/>
+              </a:solidFill>
+              <a:latin typeface="Telegraf Bold"/>
+              <a:ea typeface="Telegraf Bold"/>
+              <a:cs typeface="Telegraf Bold"/>
+              <a:sym typeface="Telegraf Bold"/>
+            </a:endParaRPr>
+          </a:p>
+        </p:txBody>
+      </p:sp>
+    </p:spTree>
+    <p:extLst>
+      <p:ext uri="{BB962C8B-B14F-4D97-AF65-F5344CB8AC3E}">
+        <p14:creationId xmlns:p14="http://schemas.microsoft.com/office/powerpoint/2010/main" val="2730446485"/>
       </p:ext>
     </p:extLst>
   </p:cSld>
@@ -4528,4 +5911,319 @@
   <a:objectDefaults/>
   <a:extraClrSchemeLst/>
 </a:theme>
+</file>
+
+<file path=ppt/theme/theme2.xml><?xml version="1.0" encoding="utf-8"?>
+<a:theme xmlns:a="http://schemas.openxmlformats.org/drawingml/2006/main" name="Office Theme">
+  <a:themeElements>
+    <a:clrScheme name="Office">
+      <a:dk1>
+        <a:sysClr val="windowText" lastClr="000000"/>
+      </a:dk1>
+      <a:lt1>
+        <a:sysClr val="window" lastClr="FFFFFF"/>
+      </a:lt1>
+      <a:dk2>
+        <a:srgbClr val="0E2841"/>
+      </a:dk2>
+      <a:lt2>
+        <a:srgbClr val="E8E8E8"/>
+      </a:lt2>
+      <a:accent1>
+        <a:srgbClr val="156082"/>
+      </a:accent1>
+      <a:accent2>
+        <a:srgbClr val="E97132"/>
+      </a:accent2>
+      <a:accent3>
+        <a:srgbClr val="196B24"/>
+      </a:accent3>
+      <a:accent4>
+        <a:srgbClr val="0F9ED5"/>
+      </a:accent4>
+      <a:accent5>
+        <a:srgbClr val="A02B93"/>
+      </a:accent5>
+      <a:accent6>
+        <a:srgbClr val="4EA72E"/>
+      </a:accent6>
+      <a:hlink>
+        <a:srgbClr val="467886"/>
+      </a:hlink>
+      <a:folHlink>
+        <a:srgbClr val="96607D"/>
+      </a:folHlink>
+    </a:clrScheme>
+    <a:fontScheme name="Office">
+      <a:majorFont>
+        <a:latin typeface="Aptos Display" panose="02110004020202020204"/>
+        <a:ea typeface=""/>
+        <a:cs typeface=""/>
+        <a:font script="Jpan" typeface="游ゴシック Light"/>
+        <a:font script="Hang" typeface="맑은 고딕"/>
+        <a:font script="Hans" typeface="等线 Light"/>
+        <a:font script="Hant" typeface="新細明體"/>
+        <a:font script="Arab" typeface="Times New Roman"/>
+        <a:font script="Hebr" typeface="Times New Roman"/>
+        <a:font script="Thai" typeface="Angsana New"/>
+        <a:font script="Ethi" typeface="Nyala"/>
+        <a:font script="Beng" typeface="Vrinda"/>
+        <a:font script="Gujr" typeface="Shruti"/>
+        <a:font script="Khmr" typeface="MoolBoran"/>
+        <a:font script="Knda" typeface="Tunga"/>
+        <a:font script="Guru" typeface="Raavi"/>
+        <a:font script="Cans" typeface="Euphemia"/>
+        <a:font script="Cher" typeface="Plantagenet Cherokee"/>
+        <a:font script="Yiii" typeface="Microsoft Yi Baiti"/>
+        <a:font script="Tibt" typeface="Microsoft Himalaya"/>
+        <a:font script="Thaa" typeface="MV Boli"/>
+        <a:font script="Deva" typeface="Mangal"/>
+        <a:font script="Telu" typeface="Gautami"/>
+        <a:font script="Taml" typeface="Latha"/>
+        <a:font script="Syrc" typeface="Estrangelo Edessa"/>
+        <a:font script="Orya" typeface="Kalinga"/>
+        <a:font script="Mlym" typeface="Kartika"/>
+        <a:font script="Laoo" typeface="DokChampa"/>
+        <a:font script="Sinh" typeface="Iskoola Pota"/>
+        <a:font script="Mong" typeface="Mongolian Baiti"/>
+        <a:font script="Viet" typeface="Times New Roman"/>
+        <a:font script="Uigh" typeface="Microsoft Uighur"/>
+        <a:font script="Geor" typeface="Sylfaen"/>
+        <a:font script="Armn" typeface="Arial"/>
+        <a:font script="Bugi" typeface="Leelawadee UI"/>
+        <a:font script="Bopo" typeface="Microsoft JhengHei"/>
+        <a:font script="Java" typeface="Javanese Text"/>
+        <a:font script="Lisu" typeface="Segoe UI"/>
+        <a:font script="Mymr" typeface="Myanmar Text"/>
+        <a:font script="Nkoo" typeface="Ebrima"/>
+        <a:font script="Olck" typeface="Nirmala UI"/>
+        <a:font script="Osma" typeface="Ebrima"/>
+        <a:font script="Phag" typeface="Phagspa"/>
+        <a:font script="Syrn" typeface="Estrangelo Edessa"/>
+        <a:font script="Syrj" typeface="Estrangelo Edessa"/>
+        <a:font script="Syre" typeface="Estrangelo Edessa"/>
+        <a:font script="Sora" typeface="Nirmala UI"/>
+        <a:font script="Tale" typeface="Microsoft Tai Le"/>
+        <a:font script="Talu" typeface="Microsoft New Tai Lue"/>
+        <a:font script="Tfng" typeface="Ebrima"/>
+      </a:majorFont>
+      <a:minorFont>
+        <a:latin typeface="Aptos" panose="02110004020202020204"/>
+        <a:ea typeface=""/>
+        <a:cs typeface=""/>
+        <a:font script="Jpan" typeface="游ゴシック"/>
+        <a:font script="Hang" typeface="맑은 고딕"/>
+        <a:font script="Hans" typeface="等线"/>
+        <a:font script="Hant" typeface="新細明體"/>
+        <a:font script="Arab" typeface="Arial"/>
+        <a:font script="Hebr" typeface="Arial"/>
+        <a:font script="Thai" typeface="Cordia New"/>
+        <a:font script="Ethi" typeface="Nyala"/>
+        <a:font script="Beng" typeface="Vrinda"/>
+        <a:font script="Gujr" typeface="Shruti"/>
+        <a:font script="Khmr" typeface="DaunPenh"/>
+        <a:font script="Knda" typeface="Tunga"/>
+        <a:font script="Guru" typeface="Raavi"/>
+        <a:font script="Cans" typeface="Euphemia"/>
+        <a:font script="Cher" typeface="Plantagenet Cherokee"/>
+        <a:font script="Yiii" typeface="Microsoft Yi Baiti"/>
+        <a:font script="Tibt" typeface="Microsoft Himalaya"/>
+        <a:font script="Thaa" typeface="MV Boli"/>
+        <a:font script="Deva" typeface="Mangal"/>
+        <a:font script="Telu" typeface="Gautami"/>
+        <a:font script="Taml" typeface="Latha"/>
+        <a:font script="Syrc" typeface="Estrangelo Edessa"/>
+        <a:font script="Orya" typeface="Kalinga"/>
+        <a:font script="Mlym" typeface="Kartika"/>
+        <a:font script="Laoo" typeface="DokChampa"/>
+        <a:font script="Sinh" typeface="Iskoola Pota"/>
+        <a:font script="Mong" typeface="Mongolian Baiti"/>
+        <a:font script="Viet" typeface="Arial"/>
+        <a:font script="Uigh" typeface="Microsoft Uighur"/>
+        <a:font script="Geor" typeface="Sylfaen"/>
+        <a:font script="Armn" typeface="Arial"/>
+        <a:font script="Bugi" typeface="Leelawadee UI"/>
+        <a:font script="Bopo" typeface="Microsoft JhengHei"/>
+        <a:font script="Java" typeface="Javanese Text"/>
+        <a:font script="Lisu" typeface="Segoe UI"/>
+        <a:font script="Mymr" typeface="Myanmar Text"/>
+        <a:font script="Nkoo" typeface="Ebrima"/>
+        <a:font script="Olck" typeface="Nirmala UI"/>
+        <a:font script="Osma" typeface="Ebrima"/>
+        <a:font script="Phag" typeface="Phagspa"/>
+        <a:font script="Syrn" typeface="Estrangelo Edessa"/>
+        <a:font script="Syrj" typeface="Estrangelo Edessa"/>
+        <a:font script="Syre" typeface="Estrangelo Edessa"/>
+        <a:font script="Sora" typeface="Nirmala UI"/>
+        <a:font script="Tale" typeface="Microsoft Tai Le"/>
+        <a:font script="Talu" typeface="Microsoft New Tai Lue"/>
+        <a:font script="Tfng" typeface="Ebrima"/>
+      </a:minorFont>
+    </a:fontScheme>
+    <a:fmtScheme name="Office">
+      <a:fillStyleLst>
+        <a:solidFill>
+          <a:schemeClr val="phClr"/>
+        </a:solidFill>
+        <a:gradFill rotWithShape="1">
+          <a:gsLst>
+            <a:gs pos="0">
+              <a:schemeClr val="phClr">
+                <a:lumMod val="110000"/>
+                <a:satMod val="105000"/>
+                <a:tint val="67000"/>
+              </a:schemeClr>
+            </a:gs>
+            <a:gs pos="50000">
+              <a:schemeClr val="phClr">
+                <a:lumMod val="105000"/>
+                <a:satMod val="103000"/>
+                <a:tint val="73000"/>
+              </a:schemeClr>
+            </a:gs>
+            <a:gs pos="100000">
+              <a:schemeClr val="phClr">
+                <a:lumMod val="105000"/>
+                <a:satMod val="109000"/>
+                <a:tint val="81000"/>
+              </a:schemeClr>
+            </a:gs>
+          </a:gsLst>
+          <a:lin ang="5400000" scaled="0"/>
+        </a:gradFill>
+        <a:gradFill rotWithShape="1">
+          <a:gsLst>
+            <a:gs pos="0">
+              <a:schemeClr val="phClr">
+                <a:satMod val="103000"/>
+                <a:lumMod val="102000"/>
+                <a:tint val="94000"/>
+              </a:schemeClr>
+            </a:gs>
+            <a:gs pos="50000">
+              <a:schemeClr val="phClr">
+                <a:satMod val="110000"/>
+                <a:lumMod val="100000"/>
+                <a:shade val="100000"/>
+              </a:schemeClr>
+            </a:gs>
+            <a:gs pos="100000">
+              <a:schemeClr val="phClr">
+                <a:lumMod val="99000"/>
+                <a:satMod val="120000"/>
+                <a:shade val="78000"/>
+              </a:schemeClr>
+            </a:gs>
+          </a:gsLst>
+          <a:lin ang="5400000" scaled="0"/>
+        </a:gradFill>
+      </a:fillStyleLst>
+      <a:lnStyleLst>
+        <a:ln w="12700" cap="flat" cmpd="sng" algn="ctr">
+          <a:solidFill>
+            <a:schemeClr val="phClr"/>
+          </a:solidFill>
+          <a:prstDash val="solid"/>
+          <a:miter lim="800000"/>
+        </a:ln>
+        <a:ln w="19050" cap="flat" cmpd="sng" algn="ctr">
+          <a:solidFill>
+            <a:schemeClr val="phClr"/>
+          </a:solidFill>
+          <a:prstDash val="solid"/>
+          <a:miter lim="800000"/>
+        </a:ln>
+        <a:ln w="25400" cap="flat" cmpd="sng" algn="ctr">
+          <a:solidFill>
+            <a:schemeClr val="phClr"/>
+          </a:solidFill>
+          <a:prstDash val="solid"/>
+          <a:miter lim="800000"/>
+        </a:ln>
+      </a:lnStyleLst>
+      <a:effectStyleLst>
+        <a:effectStyle>
+          <a:effectLst/>
+        </a:effectStyle>
+        <a:effectStyle>
+          <a:effectLst/>
+        </a:effectStyle>
+        <a:effectStyle>
+          <a:effectLst>
+            <a:outerShdw blurRad="57150" dist="19050" dir="5400000" algn="ctr" rotWithShape="0">
+              <a:srgbClr val="000000">
+                <a:alpha val="63000"/>
+              </a:srgbClr>
+            </a:outerShdw>
+          </a:effectLst>
+        </a:effectStyle>
+      </a:effectStyleLst>
+      <a:bgFillStyleLst>
+        <a:solidFill>
+          <a:schemeClr val="phClr"/>
+        </a:solidFill>
+        <a:solidFill>
+          <a:schemeClr val="phClr">
+            <a:tint val="95000"/>
+            <a:satMod val="170000"/>
+          </a:schemeClr>
+        </a:solidFill>
+        <a:gradFill rotWithShape="1">
+          <a:gsLst>
+            <a:gs pos="0">
+              <a:schemeClr val="phClr">
+                <a:tint val="93000"/>
+                <a:satMod val="150000"/>
+                <a:shade val="98000"/>
+                <a:lumMod val="102000"/>
+              </a:schemeClr>
+            </a:gs>
+            <a:gs pos="50000">
+              <a:schemeClr val="phClr">
+                <a:tint val="98000"/>
+                <a:satMod val="130000"/>
+                <a:shade val="90000"/>
+                <a:lumMod val="103000"/>
+              </a:schemeClr>
+            </a:gs>
+            <a:gs pos="100000">
+              <a:schemeClr val="phClr">
+                <a:shade val="63000"/>
+                <a:satMod val="120000"/>
+              </a:schemeClr>
+            </a:gs>
+          </a:gsLst>
+          <a:lin ang="5400000" scaled="0"/>
+        </a:gradFill>
+      </a:bgFillStyleLst>
+    </a:fmtScheme>
+  </a:themeElements>
+  <a:objectDefaults>
+    <a:lnDef>
+      <a:spPr/>
+      <a:bodyPr/>
+      <a:lstStyle/>
+      <a:style>
+        <a:lnRef idx="2">
+          <a:schemeClr val="accent1"/>
+        </a:lnRef>
+        <a:fillRef idx="0">
+          <a:schemeClr val="accent1"/>
+        </a:fillRef>
+        <a:effectRef idx="1">
+          <a:schemeClr val="accent1"/>
+        </a:effectRef>
+        <a:fontRef idx="minor">
+          <a:schemeClr val="tx1"/>
+        </a:fontRef>
+      </a:style>
+    </a:lnDef>
+  </a:objectDefaults>
+  <a:extraClrSchemeLst/>
+  <a:extLst>
+    <a:ext uri="{05A4C25C-085E-4340-85A3-A5531E510DB2}">
+      <thm15:themeFamily xmlns:thm15="http://schemas.microsoft.com/office/thememl/2012/main" name="Office Theme" id="{2E142A2C-CD16-42D6-873A-C26D2A0506FA}" vid="{1BDDFF52-6CD6-40A5-AB3C-68EB2F1E4D0A}"/>
+    </a:ext>
+  </a:extLst>
+</a:theme>
 </file>